--- a/docs-presentation/r-programming-week09-shan.pptx
+++ b/docs-presentation/r-programming-week09-shan.pptx
@@ -164,7 +164,7 @@
   </p:defaultTextStyle>
   <p:extLst>
     <p:ext uri="{EFAFB233-063F-42B5-8137-9DF3F51BA10A}">
-      <p15:sldGuideLst xmlns:p15="http://schemas.microsoft.com/office/powerpoint/2012/main" xmlns="">
+      <p15:sldGuideLst xmlns="" xmlns:p15="http://schemas.microsoft.com/office/powerpoint/2012/main">
         <p15:guide id="1" orient="horz" pos="1620">
           <p15:clr>
             <a:srgbClr val="A4A3A4"/>
@@ -16456,14 +16456,14 @@
         <a:srgbClr val="800080"/>
       </a:folHlink>
     </a:clrScheme>
-    <a:fontScheme name="Segoe UI 나눔고딕">
+    <a:fontScheme name="Garamond &amp; 나눔고딕">
       <a:majorFont>
-        <a:latin typeface="Segoe UI"/>
+        <a:latin typeface="Garamond"/>
         <a:ea typeface="나눔고딕"/>
         <a:cs typeface=""/>
       </a:majorFont>
       <a:minorFont>
-        <a:latin typeface="Segoe UI"/>
+        <a:latin typeface="Garamond"/>
         <a:ea typeface="나눔고딕"/>
         <a:cs typeface=""/>
       </a:minorFont>
